--- a/papers/ICRA2016/pictures/pdf/friction.pptx
+++ b/papers/ICRA2016/pictures/pdf/friction.pptx
@@ -288,7 +288,7 @@
           <a:p>
             <a:fld id="{6666019B-6789-7642-8563-2C9E17E98A28}" type="datetimeFigureOut">
               <a:rPr lang="en-US" smtClean="0"/>
-              <a:t>9/15/15</a:t>
+              <a:t>9/23/15</a:t>
             </a:fld>
             <a:endParaRPr lang="en-US"/>
           </a:p>
@@ -458,7 +458,7 @@
           <a:p>
             <a:fld id="{6666019B-6789-7642-8563-2C9E17E98A28}" type="datetimeFigureOut">
               <a:rPr lang="en-US" smtClean="0"/>
-              <a:t>9/15/15</a:t>
+              <a:t>9/23/15</a:t>
             </a:fld>
             <a:endParaRPr lang="en-US"/>
           </a:p>
@@ -638,7 +638,7 @@
           <a:p>
             <a:fld id="{6666019B-6789-7642-8563-2C9E17E98A28}" type="datetimeFigureOut">
               <a:rPr lang="en-US" smtClean="0"/>
-              <a:t>9/15/15</a:t>
+              <a:t>9/23/15</a:t>
             </a:fld>
             <a:endParaRPr lang="en-US"/>
           </a:p>
@@ -808,7 +808,7 @@
           <a:p>
             <a:fld id="{6666019B-6789-7642-8563-2C9E17E98A28}" type="datetimeFigureOut">
               <a:rPr lang="en-US" smtClean="0"/>
-              <a:t>9/15/15</a:t>
+              <a:t>9/23/15</a:t>
             </a:fld>
             <a:endParaRPr lang="en-US"/>
           </a:p>
@@ -1054,7 +1054,7 @@
           <a:p>
             <a:fld id="{6666019B-6789-7642-8563-2C9E17E98A28}" type="datetimeFigureOut">
               <a:rPr lang="en-US" smtClean="0"/>
-              <a:t>9/15/15</a:t>
+              <a:t>9/23/15</a:t>
             </a:fld>
             <a:endParaRPr lang="en-US"/>
           </a:p>
@@ -1342,7 +1342,7 @@
           <a:p>
             <a:fld id="{6666019B-6789-7642-8563-2C9E17E98A28}" type="datetimeFigureOut">
               <a:rPr lang="en-US" smtClean="0"/>
-              <a:t>9/15/15</a:t>
+              <a:t>9/23/15</a:t>
             </a:fld>
             <a:endParaRPr lang="en-US"/>
           </a:p>
@@ -1769,7 +1769,7 @@
           <a:p>
             <a:fld id="{6666019B-6789-7642-8563-2C9E17E98A28}" type="datetimeFigureOut">
               <a:rPr lang="en-US" smtClean="0"/>
-              <a:t>9/15/15</a:t>
+              <a:t>9/23/15</a:t>
             </a:fld>
             <a:endParaRPr lang="en-US"/>
           </a:p>
@@ -1887,7 +1887,7 @@
           <a:p>
             <a:fld id="{6666019B-6789-7642-8563-2C9E17E98A28}" type="datetimeFigureOut">
               <a:rPr lang="en-US" smtClean="0"/>
-              <a:t>9/15/15</a:t>
+              <a:t>9/23/15</a:t>
             </a:fld>
             <a:endParaRPr lang="en-US"/>
           </a:p>
@@ -1982,7 +1982,7 @@
           <a:p>
             <a:fld id="{6666019B-6789-7642-8563-2C9E17E98A28}" type="datetimeFigureOut">
               <a:rPr lang="en-US" smtClean="0"/>
-              <a:t>9/15/15</a:t>
+              <a:t>9/23/15</a:t>
             </a:fld>
             <a:endParaRPr lang="en-US"/>
           </a:p>
@@ -2259,7 +2259,7 @@
           <a:p>
             <a:fld id="{6666019B-6789-7642-8563-2C9E17E98A28}" type="datetimeFigureOut">
               <a:rPr lang="en-US" smtClean="0"/>
-              <a:t>9/15/15</a:t>
+              <a:t>9/23/15</a:t>
             </a:fld>
             <a:endParaRPr lang="en-US"/>
           </a:p>
@@ -2512,7 +2512,7 @@
           <a:p>
             <a:fld id="{6666019B-6789-7642-8563-2C9E17E98A28}" type="datetimeFigureOut">
               <a:rPr lang="en-US" smtClean="0"/>
-              <a:t>9/15/15</a:t>
+              <a:t>9/23/15</a:t>
             </a:fld>
             <a:endParaRPr lang="en-US"/>
           </a:p>
@@ -2725,7 +2725,7 @@
           <a:p>
             <a:fld id="{6666019B-6789-7642-8563-2C9E17E98A28}" type="datetimeFigureOut">
               <a:rPr lang="en-US" smtClean="0"/>
-              <a:t>9/15/15</a:t>
+              <a:t>9/23/15</a:t>
             </a:fld>
             <a:endParaRPr lang="en-US"/>
           </a:p>
@@ -3406,8 +3406,8 @@
                 <a:solidFill>
                   <a:srgbClr val="FF6600"/>
                 </a:solidFill>
-                <a:latin typeface="Times New Roman"/>
-                <a:cs typeface="Times New Roman"/>
+                <a:latin typeface="Arial"/>
+                <a:cs typeface="Arial"/>
               </a:rPr>
               <a:t>N</a:t>
             </a:r>
@@ -3441,8 +3441,8 @@
                 <a:solidFill>
                   <a:srgbClr val="FF0000"/>
                 </a:solidFill>
-                <a:latin typeface="Times New Roman"/>
-                <a:cs typeface="Times New Roman"/>
+                <a:latin typeface="Arial"/>
+                <a:cs typeface="Arial"/>
               </a:rPr>
               <a:t>F</a:t>
             </a:r>
@@ -3451,8 +3451,8 @@
                 <a:solidFill>
                   <a:srgbClr val="FF0000"/>
                 </a:solidFill>
-                <a:latin typeface="Times New Roman"/>
-                <a:cs typeface="Times New Roman"/>
+                <a:latin typeface="Arial"/>
+                <a:cs typeface="Arial"/>
               </a:rPr>
               <a:t>f</a:t>
             </a:r>
@@ -3460,8 +3460,8 @@
               <a:solidFill>
                 <a:srgbClr val="FF0000"/>
               </a:solidFill>
-              <a:latin typeface="Times New Roman"/>
-              <a:cs typeface="Times New Roman"/>
+              <a:latin typeface="Arial"/>
+              <a:cs typeface="Arial"/>
             </a:endParaRPr>
           </a:p>
         </p:txBody>
@@ -3493,8 +3493,8 @@
                 <a:solidFill>
                   <a:srgbClr val="000000"/>
                 </a:solidFill>
-                <a:latin typeface="Times New Roman"/>
-                <a:cs typeface="Times New Roman"/>
+                <a:latin typeface="Arial"/>
+                <a:cs typeface="Arial"/>
               </a:rPr>
               <a:t>F</a:t>
             </a:r>
@@ -3503,8 +3503,8 @@
                 <a:solidFill>
                   <a:srgbClr val="000000"/>
                 </a:solidFill>
-                <a:latin typeface="Times New Roman"/>
-                <a:cs typeface="Times New Roman"/>
+                <a:latin typeface="Arial"/>
+                <a:cs typeface="Arial"/>
               </a:rPr>
               <a:t>sin</a:t>
             </a:r>
@@ -3513,8 +3513,8 @@
                 <a:solidFill>
                   <a:srgbClr val="000000"/>
                 </a:solidFill>
-                <a:latin typeface="Times New Roman"/>
-                <a:cs typeface="Times New Roman"/>
+                <a:latin typeface="Arial"/>
+                <a:cs typeface="Arial"/>
               </a:rPr>
               <a:t>(</a:t>
             </a:r>
@@ -3523,8 +3523,8 @@
                 <a:solidFill>
                   <a:srgbClr val="000000"/>
                 </a:solidFill>
-                <a:latin typeface="Times New Roman"/>
-                <a:cs typeface="Times New Roman"/>
+                <a:latin typeface="Arial"/>
+                <a:cs typeface="Arial"/>
               </a:rPr>
               <a:t>θ</a:t>
             </a:r>
@@ -3533,18 +3533,11 @@
                 <a:solidFill>
                   <a:srgbClr val="000000"/>
                 </a:solidFill>
-                <a:latin typeface="Times New Roman"/>
-                <a:cs typeface="Times New Roman"/>
+                <a:latin typeface="Arial"/>
+                <a:cs typeface="Arial"/>
               </a:rPr>
               <a:t>)</a:t>
             </a:r>
-            <a:endParaRPr lang="en-US" sz="4000" dirty="0" smtClean="0">
-              <a:solidFill>
-                <a:srgbClr val="000000"/>
-              </a:solidFill>
-              <a:latin typeface="Times New Roman"/>
-              <a:cs typeface="Times New Roman"/>
-            </a:endParaRPr>
           </a:p>
         </p:txBody>
       </p:sp>
@@ -3575,8 +3568,8 @@
                 <a:solidFill>
                   <a:srgbClr val="0000FF"/>
                 </a:solidFill>
-                <a:latin typeface="Times New Roman"/>
-                <a:cs typeface="Times New Roman"/>
+                <a:latin typeface="Arial"/>
+                <a:cs typeface="Arial"/>
               </a:rPr>
               <a:t>F</a:t>
             </a:r>
@@ -3585,8 +3578,8 @@
                 <a:solidFill>
                   <a:srgbClr val="0000FF"/>
                 </a:solidFill>
-                <a:latin typeface="Times New Roman"/>
-                <a:cs typeface="Times New Roman"/>
+                <a:latin typeface="Arial"/>
+                <a:cs typeface="Arial"/>
               </a:rPr>
               <a:t>cos</a:t>
             </a:r>
@@ -3595,8 +3588,8 @@
                 <a:solidFill>
                   <a:srgbClr val="0000FF"/>
                 </a:solidFill>
-                <a:latin typeface="Times New Roman"/>
-                <a:cs typeface="Times New Roman"/>
+                <a:latin typeface="Arial"/>
+                <a:cs typeface="Arial"/>
               </a:rPr>
               <a:t>(</a:t>
             </a:r>
@@ -3605,8 +3598,8 @@
                 <a:solidFill>
                   <a:srgbClr val="0000FF"/>
                 </a:solidFill>
-                <a:latin typeface="Times New Roman"/>
-                <a:cs typeface="Times New Roman"/>
+                <a:latin typeface="Arial"/>
+                <a:cs typeface="Arial"/>
               </a:rPr>
               <a:t>θ</a:t>
             </a:r>
@@ -3615,8 +3608,8 @@
                 <a:solidFill>
                   <a:srgbClr val="0000FF"/>
                 </a:solidFill>
-                <a:latin typeface="Times New Roman"/>
-                <a:cs typeface="Times New Roman"/>
+                <a:latin typeface="Arial"/>
+                <a:cs typeface="Arial"/>
               </a:rPr>
               <a:t>)</a:t>
             </a:r>
@@ -3624,8 +3617,8 @@
               <a:solidFill>
                 <a:srgbClr val="0000FF"/>
               </a:solidFill>
-              <a:latin typeface="Times New Roman"/>
-              <a:cs typeface="Times New Roman"/>
+              <a:latin typeface="Arial"/>
+              <a:cs typeface="Arial"/>
             </a:endParaRPr>
           </a:p>
         </p:txBody>
@@ -3657,8 +3650,8 @@
                 <a:solidFill>
                   <a:schemeClr val="bg1"/>
                 </a:solidFill>
-                <a:latin typeface="Times New Roman"/>
-                <a:cs typeface="Times New Roman"/>
+                <a:latin typeface="Arial"/>
+                <a:cs typeface="Arial"/>
               </a:rPr>
               <a:t>θ</a:t>
             </a:r>
@@ -3666,8 +3659,8 @@
               <a:solidFill>
                 <a:schemeClr val="bg1"/>
               </a:solidFill>
-              <a:latin typeface="Times New Roman"/>
-              <a:cs typeface="Times New Roman"/>
+              <a:latin typeface="Arial"/>
+              <a:cs typeface="Arial"/>
             </a:endParaRPr>
           </a:p>
         </p:txBody>
@@ -3699,8 +3692,8 @@
                 <a:solidFill>
                   <a:srgbClr val="000000"/>
                 </a:solidFill>
-                <a:latin typeface="Times New Roman"/>
-                <a:cs typeface="Times New Roman"/>
+                <a:latin typeface="Arial"/>
+                <a:cs typeface="Arial"/>
               </a:rPr>
               <a:t>F</a:t>
             </a:r>
@@ -3708,8 +3701,8 @@
               <a:solidFill>
                 <a:srgbClr val="000000"/>
               </a:solidFill>
-              <a:latin typeface="Times New Roman"/>
-              <a:cs typeface="Times New Roman"/>
+              <a:latin typeface="Arial"/>
+              <a:cs typeface="Arial"/>
             </a:endParaRPr>
           </a:p>
         </p:txBody>
@@ -3824,8 +3817,8 @@
                 <a:solidFill>
                   <a:srgbClr val="000000"/>
                 </a:solidFill>
-                <a:latin typeface="Times New Roman"/>
-                <a:cs typeface="Times New Roman"/>
+                <a:latin typeface="Arial"/>
+                <a:cs typeface="Arial"/>
               </a:rPr>
               <a:t>F</a:t>
             </a:r>
@@ -3833,8 +3826,8 @@
               <a:solidFill>
                 <a:srgbClr val="000000"/>
               </a:solidFill>
-              <a:latin typeface="Times New Roman"/>
-              <a:cs typeface="Times New Roman"/>
+              <a:latin typeface="Arial"/>
+              <a:cs typeface="Arial"/>
             </a:endParaRPr>
           </a:p>
         </p:txBody>
@@ -4052,8 +4045,8 @@
                 <a:solidFill>
                   <a:srgbClr val="008000"/>
                 </a:solidFill>
-                <a:latin typeface="Times New Roman"/>
-                <a:cs typeface="Times New Roman"/>
+                <a:latin typeface="Arial"/>
+                <a:cs typeface="Arial"/>
               </a:rPr>
               <a:t>F</a:t>
             </a:r>
@@ -4062,8 +4055,8 @@
                 <a:solidFill>
                   <a:srgbClr val="008000"/>
                 </a:solidFill>
-                <a:latin typeface="Times New Roman"/>
-                <a:cs typeface="Times New Roman"/>
+                <a:latin typeface="Arial"/>
+                <a:cs typeface="Arial"/>
               </a:rPr>
               <a:t>forward</a:t>
             </a:r>
@@ -4071,8 +4064,8 @@
               <a:solidFill>
                 <a:srgbClr val="008000"/>
               </a:solidFill>
-              <a:latin typeface="Times New Roman"/>
-              <a:cs typeface="Times New Roman"/>
+              <a:latin typeface="Arial"/>
+              <a:cs typeface="Arial"/>
             </a:endParaRPr>
           </a:p>
         </p:txBody>
@@ -4187,8 +4180,8 @@
                 <a:solidFill>
                   <a:srgbClr val="000000"/>
                 </a:solidFill>
-                <a:latin typeface="Times New Roman"/>
-                <a:cs typeface="Times New Roman"/>
+                <a:latin typeface="Arial"/>
+                <a:cs typeface="Arial"/>
               </a:rPr>
               <a:t>F</a:t>
             </a:r>
@@ -4196,8 +4189,8 @@
               <a:solidFill>
                 <a:srgbClr val="000000"/>
               </a:solidFill>
-              <a:latin typeface="Times New Roman"/>
-              <a:cs typeface="Times New Roman"/>
+              <a:latin typeface="Arial"/>
+              <a:cs typeface="Arial"/>
             </a:endParaRPr>
           </a:p>
         </p:txBody>
@@ -4284,6 +4277,13 @@
   <p:clrMapOvr>
     <a:masterClrMapping/>
   </p:clrMapOvr>
+  <p:timing>
+    <p:tnLst>
+      <p:par>
+        <p:cTn xmlns:p14="http://schemas.microsoft.com/office/powerpoint/2010/main" id="1" dur="indefinite" restart="never" nodeType="tmRoot"/>
+      </p:par>
+    </p:tnLst>
+  </p:timing>
 </p:sld>
 </file>
 
